--- a/!_AGSエントリーシート【フォーム】.pptx
+++ b/!_AGSエントリーシート【フォーム】.pptx
@@ -243,7 +243,7 @@
           <a:p>
             <a:fld id="{A8A98465-64D1-4EBE-BEDE-FE44BBAE25FB}" type="datetimeFigureOut">
               <a:rPr kumimoji="1" lang="ja-JP" altLang="en-US" smtClean="0"/>
-              <a:t>2018/7/11</a:t>
+              <a:t>2020/1/28</a:t>
             </a:fld>
             <a:endParaRPr kumimoji="1" lang="ja-JP" altLang="en-US"/>
           </a:p>
@@ -445,7 +445,7 @@
           <a:p>
             <a:fld id="{A8A98465-64D1-4EBE-BEDE-FE44BBAE25FB}" type="datetimeFigureOut">
               <a:rPr kumimoji="1" lang="ja-JP" altLang="en-US" smtClean="0"/>
-              <a:t>2018/7/11</a:t>
+              <a:t>2020/1/28</a:t>
             </a:fld>
             <a:endParaRPr kumimoji="1" lang="ja-JP" altLang="en-US"/>
           </a:p>
@@ -657,7 +657,7 @@
           <a:p>
             <a:fld id="{A8A98465-64D1-4EBE-BEDE-FE44BBAE25FB}" type="datetimeFigureOut">
               <a:rPr kumimoji="1" lang="ja-JP" altLang="en-US" smtClean="0"/>
-              <a:t>2018/7/11</a:t>
+              <a:t>2020/1/28</a:t>
             </a:fld>
             <a:endParaRPr kumimoji="1" lang="ja-JP" altLang="en-US"/>
           </a:p>
@@ -1344,7 +1344,7 @@
           <a:p>
             <a:fld id="{A8A98465-64D1-4EBE-BEDE-FE44BBAE25FB}" type="datetimeFigureOut">
               <a:rPr kumimoji="1" lang="ja-JP" altLang="en-US" smtClean="0"/>
-              <a:t>2018/7/11</a:t>
+              <a:t>2020/1/28</a:t>
             </a:fld>
             <a:endParaRPr kumimoji="1" lang="ja-JP" altLang="en-US"/>
           </a:p>
@@ -1588,7 +1588,7 @@
           <a:p>
             <a:fld id="{A8A98465-64D1-4EBE-BEDE-FE44BBAE25FB}" type="datetimeFigureOut">
               <a:rPr kumimoji="1" lang="ja-JP" altLang="en-US" smtClean="0"/>
-              <a:t>2018/7/11</a:t>
+              <a:t>2020/1/28</a:t>
             </a:fld>
             <a:endParaRPr kumimoji="1" lang="ja-JP" altLang="en-US"/>
           </a:p>
@@ -1884,7 +1884,7 @@
           <a:p>
             <a:fld id="{A8A98465-64D1-4EBE-BEDE-FE44BBAE25FB}" type="datetimeFigureOut">
               <a:rPr kumimoji="1" lang="ja-JP" altLang="en-US" smtClean="0"/>
-              <a:t>2018/7/11</a:t>
+              <a:t>2020/1/28</a:t>
             </a:fld>
             <a:endParaRPr kumimoji="1" lang="ja-JP" altLang="en-US"/>
           </a:p>
@@ -2315,7 +2315,7 @@
           <a:p>
             <a:fld id="{A8A98465-64D1-4EBE-BEDE-FE44BBAE25FB}" type="datetimeFigureOut">
               <a:rPr kumimoji="1" lang="ja-JP" altLang="en-US" smtClean="0"/>
-              <a:t>2018/7/11</a:t>
+              <a:t>2020/1/28</a:t>
             </a:fld>
             <a:endParaRPr kumimoji="1" lang="ja-JP" altLang="en-US"/>
           </a:p>
@@ -2433,7 +2433,7 @@
           <a:p>
             <a:fld id="{A8A98465-64D1-4EBE-BEDE-FE44BBAE25FB}" type="datetimeFigureOut">
               <a:rPr kumimoji="1" lang="ja-JP" altLang="en-US" smtClean="0"/>
-              <a:t>2018/7/11</a:t>
+              <a:t>2020/1/28</a:t>
             </a:fld>
             <a:endParaRPr kumimoji="1" lang="ja-JP" altLang="en-US"/>
           </a:p>
@@ -2528,7 +2528,7 @@
           <a:p>
             <a:fld id="{A8A98465-64D1-4EBE-BEDE-FE44BBAE25FB}" type="datetimeFigureOut">
               <a:rPr kumimoji="1" lang="ja-JP" altLang="en-US" smtClean="0"/>
-              <a:t>2018/7/11</a:t>
+              <a:t>2020/1/28</a:t>
             </a:fld>
             <a:endParaRPr kumimoji="1" lang="ja-JP" altLang="en-US"/>
           </a:p>
@@ -2837,7 +2837,7 @@
           <a:p>
             <a:fld id="{A8A98465-64D1-4EBE-BEDE-FE44BBAE25FB}" type="datetimeFigureOut">
               <a:rPr kumimoji="1" lang="ja-JP" altLang="en-US" smtClean="0"/>
-              <a:t>2018/7/11</a:t>
+              <a:t>2020/1/28</a:t>
             </a:fld>
             <a:endParaRPr kumimoji="1" lang="ja-JP" altLang="en-US"/>
           </a:p>
@@ -3094,7 +3094,7 @@
           <a:p>
             <a:fld id="{A8A98465-64D1-4EBE-BEDE-FE44BBAE25FB}" type="datetimeFigureOut">
               <a:rPr kumimoji="1" lang="ja-JP" altLang="en-US" smtClean="0"/>
-              <a:t>2018/7/11</a:t>
+              <a:t>2020/1/28</a:t>
             </a:fld>
             <a:endParaRPr kumimoji="1" lang="ja-JP" altLang="en-US"/>
           </a:p>
@@ -3339,7 +3339,7 @@
           <a:p>
             <a:fld id="{A8A98465-64D1-4EBE-BEDE-FE44BBAE25FB}" type="datetimeFigureOut">
               <a:rPr kumimoji="1" lang="ja-JP" altLang="en-US" smtClean="0"/>
-              <a:t>2018/7/11</a:t>
+              <a:t>2020/1/28</a:t>
             </a:fld>
             <a:endParaRPr kumimoji="1" lang="ja-JP" altLang="en-US"/>
           </a:p>
@@ -3768,20 +3768,20 @@
           <a:lstStyle/>
           <a:p>
             <a:r>
-              <a:rPr lang="en-US" altLang="ja-JP" sz="1400" dirty="0" smtClean="0"/>
-              <a:t>※</a:t>
-            </a:r>
-            <a:r>
               <a:rPr lang="ja-JP" altLang="en-US" sz="1400" dirty="0" smtClean="0"/>
-              <a:t>　○○科　</a:t>
-            </a:r>
-            <a:r>
-              <a:rPr lang="ja-JP" altLang="en-US" sz="1400" dirty="0"/>
-              <a:t>○</a:t>
+              <a:t>ゲーム専攻科</a:t>
             </a:r>
             <a:r>
               <a:rPr lang="ja-JP" altLang="en-US" sz="1400" dirty="0" smtClean="0"/>
-              <a:t>年　○○　○○</a:t>
+              <a:t>　</a:t>
+            </a:r>
+            <a:r>
+              <a:rPr lang="en-US" altLang="ja-JP" sz="1400" dirty="0"/>
+              <a:t>1</a:t>
+            </a:r>
+            <a:r>
+              <a:rPr lang="ja-JP" altLang="en-US" sz="1400" dirty="0" smtClean="0"/>
+              <a:t>年　田中 真人</a:t>
             </a:r>
             <a:endParaRPr kumimoji="1" lang="ja-JP" altLang="en-US" sz="1400" dirty="0"/>
           </a:p>
@@ -3810,8 +3810,16 @@
           <a:lstStyle/>
           <a:p>
             <a:r>
-              <a:rPr kumimoji="1" lang="en-US" altLang="ja-JP" sz="1400" dirty="0" smtClean="0"/>
-              <a:t>※</a:t>
+              <a:rPr lang="ja-JP" altLang="en-US" sz="1400" dirty="0" smtClean="0"/>
+              <a:t>走</a:t>
+            </a:r>
+            <a:r>
+              <a:rPr lang="ja-JP" altLang="en-US" sz="1400" dirty="0" err="1" smtClean="0"/>
+              <a:t>れ</a:t>
+            </a:r>
+            <a:r>
+              <a:rPr lang="ja-JP" altLang="en-US" sz="1400" dirty="0" smtClean="0"/>
+              <a:t>マロスケ</a:t>
             </a:r>
             <a:endParaRPr kumimoji="1" lang="ja-JP" altLang="en-US" sz="1400" dirty="0"/>
           </a:p>
@@ -3840,8 +3848,8 @@
           <a:lstStyle/>
           <a:p>
             <a:r>
-              <a:rPr lang="en-US" altLang="ja-JP" sz="1400" dirty="0"/>
-              <a:t>※</a:t>
+              <a:rPr lang="ja-JP" altLang="en-US" sz="1400" dirty="0" smtClean="0"/>
+              <a:t>エンドレスランナー</a:t>
             </a:r>
             <a:endParaRPr kumimoji="1" lang="ja-JP" altLang="en-US" sz="1400" dirty="0"/>
           </a:p>
@@ -3855,7 +3863,7 @@
         </p:nvSpPr>
         <p:spPr>
           <a:xfrm>
-            <a:off x="1690438" y="5945426"/>
+            <a:off x="1690437" y="5949690"/>
             <a:ext cx="4493795" cy="307777"/>
           </a:xfrm>
           <a:prstGeom prst="rect">
@@ -3870,8 +3878,16 @@
           <a:lstStyle/>
           <a:p>
             <a:r>
+              <a:rPr lang="ja-JP" altLang="en-US" sz="1400" dirty="0" smtClean="0"/>
+              <a:t>ゲーム専攻科　</a:t>
+            </a:r>
+            <a:r>
               <a:rPr lang="en-US" altLang="ja-JP" sz="1400" dirty="0" smtClean="0"/>
-              <a:t>※</a:t>
+              <a:t>1</a:t>
+            </a:r>
+            <a:r>
+              <a:rPr lang="ja-JP" altLang="en-US" sz="1400" dirty="0" smtClean="0"/>
+              <a:t>年　原　凌太</a:t>
             </a:r>
             <a:endParaRPr lang="ja-JP" altLang="en-US" sz="1400" dirty="0"/>
           </a:p>
@@ -3899,10 +3915,6 @@
           </a:bodyPr>
           <a:lstStyle/>
           <a:p>
-            <a:r>
-              <a:rPr lang="en-US" altLang="ja-JP" sz="1400" dirty="0"/>
-              <a:t>※</a:t>
-            </a:r>
             <a:endParaRPr kumimoji="1" lang="ja-JP" altLang="en-US" sz="1400" dirty="0"/>
           </a:p>
         </p:txBody>
@@ -3929,10 +3941,6 @@
           </a:bodyPr>
           <a:lstStyle/>
           <a:p>
-            <a:r>
-              <a:rPr lang="en-US" altLang="ja-JP" sz="1400" dirty="0" smtClean="0"/>
-              <a:t>※</a:t>
-            </a:r>
             <a:endParaRPr kumimoji="1" lang="ja-JP" altLang="en-US" sz="1400" dirty="0"/>
           </a:p>
         </p:txBody>
@@ -3959,10 +3967,6 @@
           </a:bodyPr>
           <a:lstStyle/>
           <a:p>
-            <a:r>
-              <a:rPr lang="en-US" altLang="ja-JP" sz="1400" dirty="0" smtClean="0"/>
-              <a:t>※</a:t>
-            </a:r>
             <a:endParaRPr kumimoji="1" lang="ja-JP" altLang="en-US" sz="1400" dirty="0"/>
           </a:p>
         </p:txBody>
@@ -3976,7 +3980,7 @@
         <p:spPr>
           <a:xfrm>
             <a:off x="1690438" y="7519471"/>
-            <a:ext cx="4493795" cy="307777"/>
+            <a:ext cx="4493795" cy="738664"/>
           </a:xfrm>
           <a:prstGeom prst="rect">
             <a:avLst/>
@@ -3990,8 +3994,30 @@
           <a:lstStyle/>
           <a:p>
             <a:r>
-              <a:rPr lang="en-US" altLang="ja-JP" sz="1400" dirty="0" smtClean="0"/>
-              <a:t>※</a:t>
+              <a:rPr lang="ja-JP" altLang="en-US" sz="1400" dirty="0" smtClean="0"/>
+              <a:t>マロスケは激怒した。</a:t>
+            </a:r>
+            <a:endParaRPr lang="en-US" altLang="ja-JP" sz="1400" dirty="0" smtClean="0"/>
+          </a:p>
+          <a:p>
+            <a:r>
+              <a:rPr lang="ja-JP" altLang="en-US" sz="1400" dirty="0" smtClean="0"/>
+              <a:t>必ず</a:t>
+            </a:r>
+            <a:r>
+              <a:rPr lang="ja-JP" altLang="en-US" sz="1400" dirty="0"/>
+              <a:t>学校</a:t>
+            </a:r>
+            <a:r>
+              <a:rPr lang="ja-JP" altLang="en-US" sz="1400" dirty="0" smtClean="0"/>
+              <a:t>に遅刻せずに到着すると決意した。</a:t>
+            </a:r>
+            <a:endParaRPr lang="en-US" altLang="ja-JP" sz="1400" dirty="0" smtClean="0"/>
+          </a:p>
+          <a:p>
+            <a:r>
+              <a:rPr kumimoji="1" lang="ja-JP" altLang="en-US" sz="1400" dirty="0" smtClean="0"/>
+              <a:t>左から右に走り続けベストスコアを目指すゲームです。</a:t>
             </a:r>
             <a:endParaRPr kumimoji="1" lang="ja-JP" altLang="en-US" sz="1400" dirty="0"/>
           </a:p>
@@ -4032,6 +4058,36 @@
           </a:p>
         </p:txBody>
       </p:sp>
+      <p:pic>
+        <p:nvPicPr>
+          <p:cNvPr id="4" name="図 3"/>
+          <p:cNvPicPr>
+            <a:picLocks noChangeAspect="1"/>
+          </p:cNvPicPr>
+          <p:nvPr/>
+        </p:nvPicPr>
+        <p:blipFill>
+          <a:blip r:embed="rId2" cstate="print">
+            <a:extLst>
+              <a:ext uri="{28A0092B-C50C-407E-A947-70E740481C1C}">
+                <a14:useLocalDpi xmlns:a14="http://schemas.microsoft.com/office/drawing/2010/main" val="0"/>
+              </a:ext>
+            </a:extLst>
+          </a:blip>
+          <a:stretch>
+            <a:fillRect/>
+          </a:stretch>
+        </p:blipFill>
+        <p:spPr>
+          <a:xfrm>
+            <a:off x="335280" y="820296"/>
+            <a:ext cx="6111240" cy="3437573"/>
+          </a:xfrm>
+          <a:prstGeom prst="rect">
+            <a:avLst/>
+          </a:prstGeom>
+        </p:spPr>
+      </p:pic>
     </p:spTree>
     <p:extLst>
       <p:ext uri="{BB962C8B-B14F-4D97-AF65-F5344CB8AC3E}">
